--- a/MS SQL PROJECT.pptx
+++ b/MS SQL PROJECT.pptx
@@ -267,7 +267,7 @@
           <a:p>
             <a:fld id="{76969C88-B244-455D-A017-012B25B1ACDD}" type="datetimeFigureOut">
               <a:rPr lang="en-US" smtClean="0"/>
-              <a:t>1/21/2021</a:t>
+              <a:t>1/23/2021</a:t>
             </a:fld>
             <a:endParaRPr lang="en-US"/>
           </a:p>
@@ -465,7 +465,7 @@
           <a:p>
             <a:fld id="{76969C88-B244-455D-A017-012B25B1ACDD}" type="datetimeFigureOut">
               <a:rPr lang="en-US" smtClean="0"/>
-              <a:t>1/21/2021</a:t>
+              <a:t>1/23/2021</a:t>
             </a:fld>
             <a:endParaRPr lang="en-US"/>
           </a:p>
@@ -673,7 +673,7 @@
           <a:p>
             <a:fld id="{76969C88-B244-455D-A017-012B25B1ACDD}" type="datetimeFigureOut">
               <a:rPr lang="en-US" smtClean="0"/>
-              <a:t>1/21/2021</a:t>
+              <a:t>1/23/2021</a:t>
             </a:fld>
             <a:endParaRPr lang="en-US"/>
           </a:p>
@@ -872,7 +872,7 @@
           <a:p>
             <a:fld id="{76969C88-B244-455D-A017-012B25B1ACDD}" type="datetimeFigureOut">
               <a:rPr lang="en-US" smtClean="0"/>
-              <a:t>1/21/2021</a:t>
+              <a:t>1/23/2021</a:t>
             </a:fld>
             <a:endParaRPr lang="en-US"/>
           </a:p>
@@ -1147,7 +1147,7 @@
           <a:p>
             <a:fld id="{76969C88-B244-455D-A017-012B25B1ACDD}" type="datetimeFigureOut">
               <a:rPr lang="en-US" smtClean="0"/>
-              <a:t>1/21/2021</a:t>
+              <a:t>1/23/2021</a:t>
             </a:fld>
             <a:endParaRPr lang="en-US"/>
           </a:p>
@@ -1412,7 +1412,7 @@
           <a:p>
             <a:fld id="{76969C88-B244-455D-A017-012B25B1ACDD}" type="datetimeFigureOut">
               <a:rPr lang="en-US" smtClean="0"/>
-              <a:t>1/21/2021</a:t>
+              <a:t>1/23/2021</a:t>
             </a:fld>
             <a:endParaRPr lang="en-US"/>
           </a:p>
@@ -1824,7 +1824,7 @@
           <a:p>
             <a:fld id="{76969C88-B244-455D-A017-012B25B1ACDD}" type="datetimeFigureOut">
               <a:rPr lang="en-US" smtClean="0"/>
-              <a:t>1/21/2021</a:t>
+              <a:t>1/23/2021</a:t>
             </a:fld>
             <a:endParaRPr lang="en-US"/>
           </a:p>
@@ -1965,7 +1965,7 @@
           <a:p>
             <a:fld id="{76969C88-B244-455D-A017-012B25B1ACDD}" type="datetimeFigureOut">
               <a:rPr lang="en-US" smtClean="0"/>
-              <a:t>1/21/2021</a:t>
+              <a:t>1/23/2021</a:t>
             </a:fld>
             <a:endParaRPr lang="en-US"/>
           </a:p>
@@ -2078,7 +2078,7 @@
           <a:p>
             <a:fld id="{76969C88-B244-455D-A017-012B25B1ACDD}" type="datetimeFigureOut">
               <a:rPr lang="en-US" smtClean="0"/>
-              <a:t>1/21/2021</a:t>
+              <a:t>1/23/2021</a:t>
             </a:fld>
             <a:endParaRPr lang="en-US"/>
           </a:p>
@@ -2390,7 +2390,7 @@
           <a:p>
             <a:fld id="{76969C88-B244-455D-A017-012B25B1ACDD}" type="datetimeFigureOut">
               <a:rPr lang="en-US" smtClean="0"/>
-              <a:t>1/21/2021</a:t>
+              <a:t>1/23/2021</a:t>
             </a:fld>
             <a:endParaRPr lang="en-US"/>
           </a:p>
@@ -2681,7 +2681,7 @@
           <a:p>
             <a:fld id="{76969C88-B244-455D-A017-012B25B1ACDD}" type="datetimeFigureOut">
               <a:rPr lang="en-US" smtClean="0"/>
-              <a:t>1/21/2021</a:t>
+              <a:t>1/23/2021</a:t>
             </a:fld>
             <a:endParaRPr lang="en-US"/>
           </a:p>
@@ -3437,7 +3437,7 @@
             <a:fld id="{76969C88-B244-455D-A017-012B25B1ACDD}" type="datetimeFigureOut">
               <a:rPr lang="en-US" smtClean="0"/>
               <a:pPr/>
-              <a:t>1/21/2021</a:t>
+              <a:t>1/23/2021</a:t>
             </a:fld>
             <a:endParaRPr lang="en-US"/>
           </a:p>
@@ -3984,14 +3984,14 @@
             </a:r>
             <a:r>
               <a:rPr lang="tr-TR" sz="4400" b="1" dirty="0"/>
-              <a:t>MS SQL PROJESİ</a:t>
+              <a:t>MS SQL PROJECT</a:t>
             </a:r>
             <a:br>
               <a:rPr lang="tr-TR" sz="4400" b="1" dirty="0"/>
             </a:br>
             <a:r>
               <a:rPr lang="tr-TR" sz="4400" b="1" dirty="0"/>
-              <a:t> İŞ İLANLARI WEB SİTESİ</a:t>
+              <a:t> JOB BOARD</a:t>
             </a:r>
             <a:br>
               <a:rPr lang="tr-TR" sz="4400" b="1" dirty="0"/>
@@ -8086,14 +8086,14 @@
             <a:pPr algn="l"/>
             <a:r>
               <a:rPr lang="tr-TR" sz="4400" b="1" dirty="0"/>
-              <a:t>YEDEKLEME </a:t>
+              <a:t>BACKUP </a:t>
             </a:r>
             <a:br>
               <a:rPr lang="tr-TR" sz="4400" b="1" dirty="0"/>
             </a:br>
             <a:r>
               <a:rPr lang="tr-TR" sz="4400" b="1" dirty="0"/>
-              <a:t>STRATEJİSİ</a:t>
+              <a:t>STRATEGIES</a:t>
             </a:r>
           </a:p>
         </p:txBody>
@@ -9311,7 +9311,7 @@
             <a:pPr algn="l"/>
             <a:r>
               <a:rPr lang="tr-TR" sz="4400" b="1" dirty="0"/>
-              <a:t>DİNLEDİĞİNİZ İÇİN TEŞEKKÜR EDERİZ.</a:t>
+              <a:t>THANK YOU FOR LISTENING.</a:t>
             </a:r>
           </a:p>
         </p:txBody>
